--- a/ShapeCrawler.Tests/Resource/020.pptx
+++ b/ShapeCrawler.Tests/Resource/020.pptx
@@ -322,7 +322,7 @@
               <a:pPr>
                 <a:defRPr/>
               </a:pPr>
-              <a:t>10.04.2021</a:t>
+              <a:t>05.12.2022</a:t>
             </a:fld>
             <a:endParaRPr lang="ru-RU" dirty="0"/>
           </a:p>
@@ -544,7 +544,7 @@
               <a:pPr>
                 <a:defRPr/>
               </a:pPr>
-              <a:t>10.04.2021</a:t>
+              <a:t>05.12.2022</a:t>
             </a:fld>
             <a:endParaRPr lang="ru-RU" dirty="0"/>
           </a:p>
@@ -2071,7 +2071,7 @@
       </p:grpSpPr>
       <p:sp>
         <p:nvSpPr>
-          <p:cNvPr id="3" name="Прямоугольник 2"/>
+          <p:cNvPr id="3" name="Shape 1"/>
           <p:cNvSpPr/>
           <p:nvPr/>
         </p:nvSpPr>
